--- a/Permissioned Blockchains.pptx
+++ b/Permissioned Blockchains.pptx
@@ -12,6 +12,8 @@
     <p:sldId id="259" r:id="rId6"/>
     <p:sldId id="261" r:id="rId7"/>
     <p:sldId id="262" r:id="rId8"/>
+    <p:sldId id="263" r:id="rId9"/>
+    <p:sldId id="264" r:id="rId10"/>
   </p:sldIdLst>
   <p:sldSz cx="12192000" cy="6858000"/>
   <p:notesSz cx="6858000" cy="9144000"/>
@@ -267,7 +269,7 @@
           <a:p>
             <a:fld id="{FBE19793-568D-4697-8A22-D9A5BBBA2952}" type="datetimeFigureOut">
               <a:rPr lang="en-IN" smtClean="0"/>
-              <a:t>01-02-2020</a:t>
+              <a:t>02-02-2020</a:t>
             </a:fld>
             <a:endParaRPr lang="en-IN"/>
           </a:p>
@@ -467,7 +469,7 @@
           <a:p>
             <a:fld id="{FBE19793-568D-4697-8A22-D9A5BBBA2952}" type="datetimeFigureOut">
               <a:rPr lang="en-IN" smtClean="0"/>
-              <a:t>01-02-2020</a:t>
+              <a:t>02-02-2020</a:t>
             </a:fld>
             <a:endParaRPr lang="en-IN"/>
           </a:p>
@@ -677,7 +679,7 @@
           <a:p>
             <a:fld id="{FBE19793-568D-4697-8A22-D9A5BBBA2952}" type="datetimeFigureOut">
               <a:rPr lang="en-IN" smtClean="0"/>
-              <a:t>01-02-2020</a:t>
+              <a:t>02-02-2020</a:t>
             </a:fld>
             <a:endParaRPr lang="en-IN"/>
           </a:p>
@@ -877,7 +879,7 @@
           <a:p>
             <a:fld id="{FBE19793-568D-4697-8A22-D9A5BBBA2952}" type="datetimeFigureOut">
               <a:rPr lang="en-IN" smtClean="0"/>
-              <a:t>01-02-2020</a:t>
+              <a:t>02-02-2020</a:t>
             </a:fld>
             <a:endParaRPr lang="en-IN"/>
           </a:p>
@@ -1153,7 +1155,7 @@
           <a:p>
             <a:fld id="{FBE19793-568D-4697-8A22-D9A5BBBA2952}" type="datetimeFigureOut">
               <a:rPr lang="en-IN" smtClean="0"/>
-              <a:t>01-02-2020</a:t>
+              <a:t>02-02-2020</a:t>
             </a:fld>
             <a:endParaRPr lang="en-IN"/>
           </a:p>
@@ -1421,7 +1423,7 @@
           <a:p>
             <a:fld id="{FBE19793-568D-4697-8A22-D9A5BBBA2952}" type="datetimeFigureOut">
               <a:rPr lang="en-IN" smtClean="0"/>
-              <a:t>01-02-2020</a:t>
+              <a:t>02-02-2020</a:t>
             </a:fld>
             <a:endParaRPr lang="en-IN"/>
           </a:p>
@@ -1836,7 +1838,7 @@
           <a:p>
             <a:fld id="{FBE19793-568D-4697-8A22-D9A5BBBA2952}" type="datetimeFigureOut">
               <a:rPr lang="en-IN" smtClean="0"/>
-              <a:t>01-02-2020</a:t>
+              <a:t>02-02-2020</a:t>
             </a:fld>
             <a:endParaRPr lang="en-IN"/>
           </a:p>
@@ -1978,7 +1980,7 @@
           <a:p>
             <a:fld id="{FBE19793-568D-4697-8A22-D9A5BBBA2952}" type="datetimeFigureOut">
               <a:rPr lang="en-IN" smtClean="0"/>
-              <a:t>01-02-2020</a:t>
+              <a:t>02-02-2020</a:t>
             </a:fld>
             <a:endParaRPr lang="en-IN"/>
           </a:p>
@@ -2091,7 +2093,7 @@
           <a:p>
             <a:fld id="{FBE19793-568D-4697-8A22-D9A5BBBA2952}" type="datetimeFigureOut">
               <a:rPr lang="en-IN" smtClean="0"/>
-              <a:t>01-02-2020</a:t>
+              <a:t>02-02-2020</a:t>
             </a:fld>
             <a:endParaRPr lang="en-IN"/>
           </a:p>
@@ -2404,7 +2406,7 @@
           <a:p>
             <a:fld id="{FBE19793-568D-4697-8A22-D9A5BBBA2952}" type="datetimeFigureOut">
               <a:rPr lang="en-IN" smtClean="0"/>
-              <a:t>01-02-2020</a:t>
+              <a:t>02-02-2020</a:t>
             </a:fld>
             <a:endParaRPr lang="en-IN"/>
           </a:p>
@@ -2693,7 +2695,7 @@
           <a:p>
             <a:fld id="{FBE19793-568D-4697-8A22-D9A5BBBA2952}" type="datetimeFigureOut">
               <a:rPr lang="en-IN" smtClean="0"/>
-              <a:t>01-02-2020</a:t>
+              <a:t>02-02-2020</a:t>
             </a:fld>
             <a:endParaRPr lang="en-IN"/>
           </a:p>
@@ -2946,7 +2948,7 @@
           <a:p>
             <a:fld id="{FBE19793-568D-4697-8A22-D9A5BBBA2952}" type="datetimeFigureOut">
               <a:rPr lang="en-IN" smtClean="0"/>
-              <a:t>01-02-2020</a:t>
+              <a:t>02-02-2020</a:t>
             </a:fld>
             <a:endParaRPr lang="en-IN"/>
           </a:p>
@@ -3974,10 +3976,364 @@
           <a:chExt cx="0" cy="0"/>
         </a:xfrm>
       </p:grpSpPr>
+      <p:pic>
+        <p:nvPicPr>
+          <p:cNvPr id="2" name="Picture 1">
+            <a:extLst>
+              <a:ext uri="{FF2B5EF4-FFF2-40B4-BE49-F238E27FC236}">
+                <a16:creationId xmlns:a16="http://schemas.microsoft.com/office/drawing/2014/main" id="{7D254EE8-F486-4BCA-A25D-9E3E1917D9C2}"/>
+              </a:ext>
+            </a:extLst>
+          </p:cNvPr>
+          <p:cNvPicPr>
+            <a:picLocks noChangeAspect="1"/>
+          </p:cNvPicPr>
+          <p:nvPr/>
+        </p:nvPicPr>
+        <p:blipFill>
+          <a:blip r:embed="rId2"/>
+          <a:stretch>
+            <a:fillRect/>
+          </a:stretch>
+        </p:blipFill>
+        <p:spPr>
+          <a:xfrm>
+            <a:off x="994530" y="1590675"/>
+            <a:ext cx="6829425" cy="1838325"/>
+          </a:xfrm>
+          <a:prstGeom prst="rect">
+            <a:avLst/>
+          </a:prstGeom>
+        </p:spPr>
+      </p:pic>
+      <p:pic>
+        <p:nvPicPr>
+          <p:cNvPr id="3" name="Picture 2">
+            <a:extLst>
+              <a:ext uri="{FF2B5EF4-FFF2-40B4-BE49-F238E27FC236}">
+                <a16:creationId xmlns:a16="http://schemas.microsoft.com/office/drawing/2014/main" id="{0BBFA42A-EAA9-4D00-95EB-19073647692A}"/>
+              </a:ext>
+            </a:extLst>
+          </p:cNvPr>
+          <p:cNvPicPr>
+            <a:picLocks noChangeAspect="1"/>
+          </p:cNvPicPr>
+          <p:nvPr/>
+        </p:nvPicPr>
+        <p:blipFill>
+          <a:blip r:embed="rId3"/>
+          <a:stretch>
+            <a:fillRect/>
+          </a:stretch>
+        </p:blipFill>
+        <p:spPr>
+          <a:xfrm>
+            <a:off x="4277742" y="4098941"/>
+            <a:ext cx="6743700" cy="2057400"/>
+          </a:xfrm>
+          <a:prstGeom prst="rect">
+            <a:avLst/>
+          </a:prstGeom>
+        </p:spPr>
+      </p:pic>
+      <p:sp>
+        <p:nvSpPr>
+          <p:cNvPr id="4" name="Title 3">
+            <a:extLst>
+              <a:ext uri="{FF2B5EF4-FFF2-40B4-BE49-F238E27FC236}">
+                <a16:creationId xmlns:a16="http://schemas.microsoft.com/office/drawing/2014/main" id="{D77814D1-BB49-4670-BA5D-572DDF909815}"/>
+              </a:ext>
+            </a:extLst>
+          </p:cNvPr>
+          <p:cNvSpPr>
+            <a:spLocks noGrp="1"/>
+          </p:cNvSpPr>
+          <p:nvPr/>
+        </p:nvSpPr>
+        <p:spPr>
+          <a:xfrm>
+            <a:off x="775816" y="366736"/>
+            <a:ext cx="3501926" cy="553998"/>
+          </a:xfrm>
+          <a:prstGeom prst="rect">
+            <a:avLst/>
+          </a:prstGeom>
+        </p:spPr>
+        <p:txBody>
+          <a:bodyPr vert="horz" wrap="square" lIns="0" tIns="0" rIns="0" bIns="0" rtlCol="0" anchor="t">
+            <a:spAutoFit/>
+          </a:bodyPr>
+          <a:lstStyle>
+            <a:lvl1pPr algn="ctr" eaLnBrk="1" hangingPunct="1">
+              <a:defRPr sz="7200" b="0" i="0">
+                <a:solidFill>
+                  <a:schemeClr val="bg1">
+                    <a:lumMod val="85000"/>
+                  </a:schemeClr>
+                </a:solidFill>
+                <a:latin typeface="DIN Alternate" charset="0"/>
+                <a:ea typeface="DIN Alternate" charset="0"/>
+                <a:cs typeface="DIN Alternate" charset="0"/>
+              </a:defRPr>
+            </a:lvl1pPr>
+          </a:lstStyle>
+          <a:p>
+            <a:pPr algn="l"/>
+            <a:r>
+              <a:rPr lang="en-US" sz="3600" dirty="0">
+                <a:solidFill>
+                  <a:schemeClr val="accent1"/>
+                </a:solidFill>
+              </a:rPr>
+              <a:t>WHY FABRIC ?</a:t>
+            </a:r>
+          </a:p>
+        </p:txBody>
+      </p:sp>
     </p:spTree>
     <p:extLst>
       <p:ext uri="{BB962C8B-B14F-4D97-AF65-F5344CB8AC3E}">
         <p14:creationId xmlns:p14="http://schemas.microsoft.com/office/powerpoint/2010/main" val="2005789436"/>
+      </p:ext>
+    </p:extLst>
+  </p:cSld>
+  <p:clrMapOvr>
+    <a:masterClrMapping/>
+  </p:clrMapOvr>
+</p:sld>
+</file>
+
+<file path=ppt/slides/slide8.xml><?xml version="1.0" encoding="utf-8"?>
+<p:sld xmlns:a="http://schemas.openxmlformats.org/drawingml/2006/main" xmlns:r="http://schemas.openxmlformats.org/officeDocument/2006/relationships" xmlns:p="http://schemas.openxmlformats.org/presentationml/2006/main">
+  <p:cSld>
+    <p:spTree>
+      <p:nvGrpSpPr>
+        <p:cNvPr id="1" name=""/>
+        <p:cNvGrpSpPr/>
+        <p:nvPr/>
+      </p:nvGrpSpPr>
+      <p:grpSpPr>
+        <a:xfrm>
+          <a:off x="0" y="0"/>
+          <a:ext cx="0" cy="0"/>
+          <a:chOff x="0" y="0"/>
+          <a:chExt cx="0" cy="0"/>
+        </a:xfrm>
+      </p:grpSpPr>
+      <p:pic>
+        <p:nvPicPr>
+          <p:cNvPr id="4" name="Picture 3">
+            <a:extLst>
+              <a:ext uri="{FF2B5EF4-FFF2-40B4-BE49-F238E27FC236}">
+                <a16:creationId xmlns:a16="http://schemas.microsoft.com/office/drawing/2014/main" id="{48620438-3A63-4DCD-A878-CDBC75120730}"/>
+              </a:ext>
+            </a:extLst>
+          </p:cNvPr>
+          <p:cNvPicPr>
+            <a:picLocks noChangeAspect="1"/>
+          </p:cNvPicPr>
+          <p:nvPr/>
+        </p:nvPicPr>
+        <p:blipFill>
+          <a:blip r:embed="rId2"/>
+          <a:stretch>
+            <a:fillRect/>
+          </a:stretch>
+        </p:blipFill>
+        <p:spPr>
+          <a:xfrm>
+            <a:off x="533308" y="163312"/>
+            <a:ext cx="6819900" cy="1838325"/>
+          </a:xfrm>
+          <a:prstGeom prst="rect">
+            <a:avLst/>
+          </a:prstGeom>
+        </p:spPr>
+      </p:pic>
+      <p:pic>
+        <p:nvPicPr>
+          <p:cNvPr id="5" name="Picture 4">
+            <a:extLst>
+              <a:ext uri="{FF2B5EF4-FFF2-40B4-BE49-F238E27FC236}">
+                <a16:creationId xmlns:a16="http://schemas.microsoft.com/office/drawing/2014/main" id="{D71AC34A-080E-41C9-87CC-AE7D601B7DB6}"/>
+              </a:ext>
+            </a:extLst>
+          </p:cNvPr>
+          <p:cNvPicPr>
+            <a:picLocks noChangeAspect="1"/>
+          </p:cNvPicPr>
+          <p:nvPr/>
+        </p:nvPicPr>
+        <p:blipFill>
+          <a:blip r:embed="rId3"/>
+          <a:stretch>
+            <a:fillRect/>
+          </a:stretch>
+        </p:blipFill>
+        <p:spPr>
+          <a:xfrm>
+            <a:off x="4354681" y="2281237"/>
+            <a:ext cx="6858000" cy="2295525"/>
+          </a:xfrm>
+          <a:prstGeom prst="rect">
+            <a:avLst/>
+          </a:prstGeom>
+        </p:spPr>
+      </p:pic>
+      <p:pic>
+        <p:nvPicPr>
+          <p:cNvPr id="6" name="Picture 5">
+            <a:extLst>
+              <a:ext uri="{FF2B5EF4-FFF2-40B4-BE49-F238E27FC236}">
+                <a16:creationId xmlns:a16="http://schemas.microsoft.com/office/drawing/2014/main" id="{1ADFABDE-D68F-4E23-B368-54BA837C7BF3}"/>
+              </a:ext>
+            </a:extLst>
+          </p:cNvPr>
+          <p:cNvPicPr>
+            <a:picLocks noChangeAspect="1"/>
+          </p:cNvPicPr>
+          <p:nvPr/>
+        </p:nvPicPr>
+        <p:blipFill>
+          <a:blip r:embed="rId4"/>
+          <a:stretch>
+            <a:fillRect/>
+          </a:stretch>
+        </p:blipFill>
+        <p:spPr>
+          <a:xfrm>
+            <a:off x="533308" y="4856362"/>
+            <a:ext cx="6953250" cy="1885950"/>
+          </a:xfrm>
+          <a:prstGeom prst="rect">
+            <a:avLst/>
+          </a:prstGeom>
+        </p:spPr>
+      </p:pic>
+    </p:spTree>
+    <p:extLst>
+      <p:ext uri="{BB962C8B-B14F-4D97-AF65-F5344CB8AC3E}">
+        <p14:creationId xmlns:p14="http://schemas.microsoft.com/office/powerpoint/2010/main" val="3662826100"/>
+      </p:ext>
+    </p:extLst>
+  </p:cSld>
+  <p:clrMapOvr>
+    <a:masterClrMapping/>
+  </p:clrMapOvr>
+</p:sld>
+</file>
+
+<file path=ppt/slides/slide9.xml><?xml version="1.0" encoding="utf-8"?>
+<p:sld xmlns:a="http://schemas.openxmlformats.org/drawingml/2006/main" xmlns:r="http://schemas.openxmlformats.org/officeDocument/2006/relationships" xmlns:p="http://schemas.openxmlformats.org/presentationml/2006/main">
+  <p:cSld>
+    <p:spTree>
+      <p:nvGrpSpPr>
+        <p:cNvPr id="1" name=""/>
+        <p:cNvGrpSpPr/>
+        <p:nvPr/>
+      </p:nvGrpSpPr>
+      <p:grpSpPr>
+        <a:xfrm>
+          <a:off x="0" y="0"/>
+          <a:ext cx="0" cy="0"/>
+          <a:chOff x="0" y="0"/>
+          <a:chExt cx="0" cy="0"/>
+        </a:xfrm>
+      </p:grpSpPr>
+      <p:pic>
+        <p:nvPicPr>
+          <p:cNvPr id="6" name="Picture 5">
+            <a:extLst>
+              <a:ext uri="{FF2B5EF4-FFF2-40B4-BE49-F238E27FC236}">
+                <a16:creationId xmlns:a16="http://schemas.microsoft.com/office/drawing/2014/main" id="{73539373-E9CE-4A8F-902E-D587814CCBBA}"/>
+              </a:ext>
+            </a:extLst>
+          </p:cNvPr>
+          <p:cNvPicPr>
+            <a:picLocks noChangeAspect="1"/>
+          </p:cNvPicPr>
+          <p:nvPr/>
+        </p:nvPicPr>
+        <p:blipFill>
+          <a:blip r:embed="rId2">
+            <a:extLst>
+              <a:ext uri="{28A0092B-C50C-407E-A947-70E740481C1C}">
+                <a14:useLocalDpi xmlns:a14="http://schemas.microsoft.com/office/drawing/2010/main" val="0"/>
+              </a:ext>
+            </a:extLst>
+          </a:blip>
+          <a:stretch>
+            <a:fillRect/>
+          </a:stretch>
+        </p:blipFill>
+        <p:spPr>
+          <a:xfrm>
+            <a:off x="775815" y="1027810"/>
+            <a:ext cx="9673201" cy="5636039"/>
+          </a:xfrm>
+          <a:prstGeom prst="rect">
+            <a:avLst/>
+          </a:prstGeom>
+        </p:spPr>
+      </p:pic>
+      <p:sp>
+        <p:nvSpPr>
+          <p:cNvPr id="7" name="Title 3">
+            <a:extLst>
+              <a:ext uri="{FF2B5EF4-FFF2-40B4-BE49-F238E27FC236}">
+                <a16:creationId xmlns:a16="http://schemas.microsoft.com/office/drawing/2014/main" id="{757991FF-9375-467D-8E9C-2F8A6B0507D4}"/>
+              </a:ext>
+            </a:extLst>
+          </p:cNvPr>
+          <p:cNvSpPr>
+            <a:spLocks noGrp="1"/>
+          </p:cNvSpPr>
+          <p:nvPr/>
+        </p:nvSpPr>
+        <p:spPr>
+          <a:xfrm>
+            <a:off x="775815" y="286837"/>
+            <a:ext cx="7027656" cy="553998"/>
+          </a:xfrm>
+          <a:prstGeom prst="rect">
+            <a:avLst/>
+          </a:prstGeom>
+        </p:spPr>
+        <p:txBody>
+          <a:bodyPr vert="horz" wrap="square" lIns="0" tIns="0" rIns="0" bIns="0" rtlCol="0" anchor="t">
+            <a:spAutoFit/>
+          </a:bodyPr>
+          <a:lstStyle>
+            <a:lvl1pPr algn="ctr" eaLnBrk="1" hangingPunct="1">
+              <a:defRPr sz="7200" b="0" i="0">
+                <a:solidFill>
+                  <a:schemeClr val="bg1">
+                    <a:lumMod val="85000"/>
+                  </a:schemeClr>
+                </a:solidFill>
+                <a:latin typeface="DIN Alternate" charset="0"/>
+                <a:ea typeface="DIN Alternate" charset="0"/>
+                <a:cs typeface="DIN Alternate" charset="0"/>
+              </a:defRPr>
+            </a:lvl1pPr>
+          </a:lstStyle>
+          <a:p>
+            <a:pPr algn="l"/>
+            <a:r>
+              <a:rPr lang="en-US" sz="3600" dirty="0">
+                <a:solidFill>
+                  <a:schemeClr val="accent1"/>
+                </a:solidFill>
+              </a:rPr>
+              <a:t>HYPERLEDGER COMPOSER</a:t>
+            </a:r>
+          </a:p>
+        </p:txBody>
+      </p:sp>
+    </p:spTree>
+    <p:extLst>
+      <p:ext uri="{BB962C8B-B14F-4D97-AF65-F5344CB8AC3E}">
+        <p14:creationId xmlns:p14="http://schemas.microsoft.com/office/powerpoint/2010/main" val="1544177367"/>
       </p:ext>
     </p:extLst>
   </p:cSld>

--- a/Permissioned Blockchains.pptx
+++ b/Permissioned Blockchains.pptx
@@ -14,6 +14,7 @@
     <p:sldId id="262" r:id="rId8"/>
     <p:sldId id="263" r:id="rId9"/>
     <p:sldId id="264" r:id="rId10"/>
+    <p:sldId id="265" r:id="rId11"/>
   </p:sldIdLst>
   <p:sldSz cx="12192000" cy="6858000"/>
   <p:notesSz cx="6858000" cy="9144000"/>
@@ -3635,6 +3636,89 @@
 </p:sld>
 </file>
 
+<file path=ppt/slides/slide10.xml><?xml version="1.0" encoding="utf-8"?>
+<p:sld xmlns:a="http://schemas.openxmlformats.org/drawingml/2006/main" xmlns:r="http://schemas.openxmlformats.org/officeDocument/2006/relationships" xmlns:p="http://schemas.openxmlformats.org/presentationml/2006/main">
+  <p:cSld>
+    <p:spTree>
+      <p:nvGrpSpPr>
+        <p:cNvPr id="1" name=""/>
+        <p:cNvGrpSpPr/>
+        <p:nvPr/>
+      </p:nvGrpSpPr>
+      <p:grpSpPr>
+        <a:xfrm>
+          <a:off x="0" y="0"/>
+          <a:ext cx="0" cy="0"/>
+          <a:chOff x="0" y="0"/>
+          <a:chExt cx="0" cy="0"/>
+        </a:xfrm>
+      </p:grpSpPr>
+      <p:sp>
+        <p:nvSpPr>
+          <p:cNvPr id="4" name="Title 3">
+            <a:extLst>
+              <a:ext uri="{FF2B5EF4-FFF2-40B4-BE49-F238E27FC236}">
+                <a16:creationId xmlns:a16="http://schemas.microsoft.com/office/drawing/2014/main" id="{ADC03C6F-A55D-4138-BD14-53297129F9C9}"/>
+              </a:ext>
+            </a:extLst>
+          </p:cNvPr>
+          <p:cNvSpPr>
+            <a:spLocks noGrp="1"/>
+          </p:cNvSpPr>
+          <p:nvPr/>
+        </p:nvSpPr>
+        <p:spPr>
+          <a:xfrm>
+            <a:off x="1265382" y="1437728"/>
+            <a:ext cx="9799380" cy="1107996"/>
+          </a:xfrm>
+          <a:prstGeom prst="rect">
+            <a:avLst/>
+          </a:prstGeom>
+        </p:spPr>
+        <p:txBody>
+          <a:bodyPr vert="horz" wrap="square" lIns="0" tIns="0" rIns="0" bIns="0" rtlCol="0" anchor="t">
+            <a:spAutoFit/>
+          </a:bodyPr>
+          <a:lstStyle>
+            <a:lvl1pPr algn="ctr" eaLnBrk="1" hangingPunct="1">
+              <a:defRPr sz="7200" b="0" i="0">
+                <a:solidFill>
+                  <a:schemeClr val="bg1">
+                    <a:lumMod val="85000"/>
+                  </a:schemeClr>
+                </a:solidFill>
+                <a:latin typeface="DIN Alternate" charset="0"/>
+                <a:ea typeface="DIN Alternate" charset="0"/>
+                <a:cs typeface="DIN Alternate" charset="0"/>
+              </a:defRPr>
+            </a:lvl1pPr>
+          </a:lstStyle>
+          <a:p>
+            <a:r>
+              <a:rPr lang="en-US" dirty="0">
+                <a:solidFill>
+                  <a:schemeClr val="accent1"/>
+                </a:solidFill>
+              </a:rPr>
+              <a:t>THANK YOU !</a:t>
+            </a:r>
+          </a:p>
+        </p:txBody>
+      </p:sp>
+    </p:spTree>
+    <p:extLst>
+      <p:ext uri="{BB962C8B-B14F-4D97-AF65-F5344CB8AC3E}">
+        <p14:creationId xmlns:p14="http://schemas.microsoft.com/office/powerpoint/2010/main" val="4238271227"/>
+      </p:ext>
+    </p:extLst>
+  </p:cSld>
+  <p:clrMapOvr>
+    <a:masterClrMapping/>
+  </p:clrMapOvr>
+</p:sld>
+</file>
+
 <file path=ppt/slides/slide2.xml><?xml version="1.0" encoding="utf-8"?>
 <p:sld xmlns:a="http://schemas.openxmlformats.org/drawingml/2006/main" xmlns:r="http://schemas.openxmlformats.org/officeDocument/2006/relationships" xmlns:p="http://schemas.openxmlformats.org/presentationml/2006/main">
   <p:cSld>
